--- a/品牌&程序化广告提纲(宋志超补充）1215.pptx
+++ b/品牌&程序化广告提纲(宋志超补充）1215.pptx
@@ -178,7 +178,6 @@
           </a:p>
         </c:rich>
       </c:tx>
-      <c:layout/>
       <c:overlay val="0"/>
       <c:spPr>
         <a:noFill/>
@@ -576,9 +575,7 @@
               <c:showPercent val="1"/>
               <c:showBubbleSize val="0"/>
               <c:extLst>
-                <c:ext xmlns:c15="http://schemas.microsoft.com/office/drawing/2012/chart" uri="{CE6537A1-D6FC-4f65-9D91-7224C49458BB}">
-                  <c15:layout/>
-                </c:ext>
+                <c:ext xmlns:c15="http://schemas.microsoft.com/office/drawing/2012/chart" uri="{CE6537A1-D6FC-4f65-9D91-7224C49458BB}"/>
               </c:extLst>
             </c:dLbl>
             <c:dLbl>
@@ -623,9 +620,7 @@
               <c:showPercent val="1"/>
               <c:showBubbleSize val="0"/>
               <c:extLst>
-                <c:ext xmlns:c15="http://schemas.microsoft.com/office/drawing/2012/chart" uri="{CE6537A1-D6FC-4f65-9D91-7224C49458BB}">
-                  <c15:layout/>
-                </c:ext>
+                <c:ext xmlns:c15="http://schemas.microsoft.com/office/drawing/2012/chart" uri="{CE6537A1-D6FC-4f65-9D91-7224C49458BB}"/>
               </c:extLst>
             </c:dLbl>
             <c:dLbl>
@@ -670,9 +665,7 @@
               <c:showPercent val="1"/>
               <c:showBubbleSize val="0"/>
               <c:extLst>
-                <c:ext xmlns:c15="http://schemas.microsoft.com/office/drawing/2012/chart" uri="{CE6537A1-D6FC-4f65-9D91-7224C49458BB}">
-                  <c15:layout/>
-                </c:ext>
+                <c:ext xmlns:c15="http://schemas.microsoft.com/office/drawing/2012/chart" uri="{CE6537A1-D6FC-4f65-9D91-7224C49458BB}"/>
               </c:extLst>
             </c:dLbl>
             <c:dLbl>
@@ -717,9 +710,7 @@
               <c:showPercent val="1"/>
               <c:showBubbleSize val="0"/>
               <c:extLst>
-                <c:ext xmlns:c15="http://schemas.microsoft.com/office/drawing/2012/chart" uri="{CE6537A1-D6FC-4f65-9D91-7224C49458BB}">
-                  <c15:layout/>
-                </c:ext>
+                <c:ext xmlns:c15="http://schemas.microsoft.com/office/drawing/2012/chart" uri="{CE6537A1-D6FC-4f65-9D91-7224C49458BB}"/>
               </c:extLst>
             </c:dLbl>
             <c:dLbl>
@@ -764,9 +755,7 @@
               <c:showPercent val="1"/>
               <c:showBubbleSize val="0"/>
               <c:extLst>
-                <c:ext xmlns:c15="http://schemas.microsoft.com/office/drawing/2012/chart" uri="{CE6537A1-D6FC-4f65-9D91-7224C49458BB}">
-                  <c15:layout/>
-                </c:ext>
+                <c:ext xmlns:c15="http://schemas.microsoft.com/office/drawing/2012/chart" uri="{CE6537A1-D6FC-4f65-9D91-7224C49458BB}"/>
               </c:extLst>
             </c:dLbl>
             <c:dLbl>
@@ -811,9 +800,7 @@
               <c:showPercent val="1"/>
               <c:showBubbleSize val="0"/>
               <c:extLst>
-                <c:ext xmlns:c15="http://schemas.microsoft.com/office/drawing/2012/chart" uri="{CE6537A1-D6FC-4f65-9D91-7224C49458BB}">
-                  <c15:layout/>
-                </c:ext>
+                <c:ext xmlns:c15="http://schemas.microsoft.com/office/drawing/2012/chart" uri="{CE6537A1-D6FC-4f65-9D91-7224C49458BB}"/>
               </c:extLst>
             </c:dLbl>
             <c:dLbl>
@@ -860,9 +847,7 @@
               <c:showPercent val="1"/>
               <c:showBubbleSize val="0"/>
               <c:extLst>
-                <c:ext xmlns:c15="http://schemas.microsoft.com/office/drawing/2012/chart" uri="{CE6537A1-D6FC-4f65-9D91-7224C49458BB}">
-                  <c15:layout/>
-                </c:ext>
+                <c:ext xmlns:c15="http://schemas.microsoft.com/office/drawing/2012/chart" uri="{CE6537A1-D6FC-4f65-9D91-7224C49458BB}"/>
               </c:extLst>
             </c:dLbl>
             <c:dLbl>
@@ -909,9 +894,7 @@
               <c:showPercent val="1"/>
               <c:showBubbleSize val="0"/>
               <c:extLst>
-                <c:ext xmlns:c15="http://schemas.microsoft.com/office/drawing/2012/chart" uri="{CE6537A1-D6FC-4f65-9D91-7224C49458BB}">
-                  <c15:layout/>
-                </c:ext>
+                <c:ext xmlns:c15="http://schemas.microsoft.com/office/drawing/2012/chart" uri="{CE6537A1-D6FC-4f65-9D91-7224C49458BB}"/>
               </c:extLst>
             </c:dLbl>
             <c:dLbl>
@@ -958,9 +941,7 @@
               <c:showPercent val="1"/>
               <c:showBubbleSize val="0"/>
               <c:extLst>
-                <c:ext xmlns:c15="http://schemas.microsoft.com/office/drawing/2012/chart" uri="{CE6537A1-D6FC-4f65-9D91-7224C49458BB}">
-                  <c15:layout/>
-                </c:ext>
+                <c:ext xmlns:c15="http://schemas.microsoft.com/office/drawing/2012/chart" uri="{CE6537A1-D6FC-4f65-9D91-7224C49458BB}"/>
               </c:extLst>
             </c:dLbl>
             <c:dLbl>
@@ -1007,9 +988,7 @@
               <c:showPercent val="1"/>
               <c:showBubbleSize val="0"/>
               <c:extLst>
-                <c:ext xmlns:c15="http://schemas.microsoft.com/office/drawing/2012/chart" uri="{CE6537A1-D6FC-4f65-9D91-7224C49458BB}">
-                  <c15:layout/>
-                </c:ext>
+                <c:ext xmlns:c15="http://schemas.microsoft.com/office/drawing/2012/chart" uri="{CE6537A1-D6FC-4f65-9D91-7224C49458BB}"/>
               </c:extLst>
             </c:dLbl>
             <c:spPr>
@@ -1240,7 +1219,6 @@
           </a:p>
         </c:rich>
       </c:tx>
-      <c:layout/>
       <c:overlay val="0"/>
       <c:spPr>
         <a:noFill/>
@@ -1442,18 +1420,18 @@
             <c:numRef>
               <c:f>图标!$C$2:$C$12</c:f>
               <c:numCache>
-                <c:formatCode>"¥"#,##0.00_);[Red]\("¥"#,##0.00\)</c:formatCode>
+                <c:formatCode>General</c:formatCode>
                 <c:ptCount val="11"/>
-                <c:pt idx="5">
+                <c:pt idx="5" formatCode="&quot;¥&quot;#,##0.00_);[Red]\(&quot;¥&quot;#,##0.00\)">
                   <c:v>199858.46999999997</c:v>
                 </c:pt>
-                <c:pt idx="6">
+                <c:pt idx="6" formatCode="&quot;¥&quot;#,##0.00_);[Red]\(&quot;¥&quot;#,##0.00\)">
                   <c:v>0.6020000000000002</c:v>
                 </c:pt>
-                <c:pt idx="7">
+                <c:pt idx="7" formatCode="&quot;¥&quot;#,##0.00_);[Red]\(&quot;¥&quot;#,##0.00\)">
                   <c:v>0</c:v>
                 </c:pt>
-                <c:pt idx="8">
+                <c:pt idx="8" formatCode="&quot;¥&quot;#,##0.00_);[Red]\(&quot;¥&quot;#,##0.00\)">
                   <c:v>0</c:v>
                 </c:pt>
               </c:numCache>
@@ -1533,24 +1511,24 @@
             <c:numRef>
               <c:f>图标!$D$2:$D$12</c:f>
               <c:numCache>
-                <c:formatCode>"¥"#,##0.00_);[Red]\("¥"#,##0.00\)</c:formatCode>
+                <c:formatCode>General</c:formatCode>
                 <c:ptCount val="11"/>
-                <c:pt idx="0">
+                <c:pt idx="0" formatCode="&quot;¥&quot;#,##0.00_);[Red]\(&quot;¥&quot;#,##0.00\)">
                   <c:v>0</c:v>
                 </c:pt>
-                <c:pt idx="3">
+                <c:pt idx="3" formatCode="&quot;¥&quot;#,##0.00_);[Red]\(&quot;¥&quot;#,##0.00\)">
                   <c:v>898650</c:v>
                 </c:pt>
-                <c:pt idx="4">
+                <c:pt idx="4" formatCode="&quot;¥&quot;#,##0.00_);[Red]\(&quot;¥&quot;#,##0.00\)">
                   <c:v>5998879.8819999993</c:v>
                 </c:pt>
-                <c:pt idx="5">
+                <c:pt idx="5" formatCode="&quot;¥&quot;#,##0.00_);[Red]\(&quot;¥&quot;#,##0.00\)">
                   <c:v>1711049.676</c:v>
                 </c:pt>
-                <c:pt idx="6">
+                <c:pt idx="6" formatCode="&quot;¥&quot;#,##0.00_);[Red]\(&quot;¥&quot;#,##0.00\)">
                   <c:v>2.6179999999999999</c:v>
                 </c:pt>
-                <c:pt idx="7">
+                <c:pt idx="7" formatCode="&quot;¥&quot;#,##0.00_);[Red]\(&quot;¥&quot;#,##0.00\)">
                   <c:v>0</c:v>
                 </c:pt>
               </c:numCache>
@@ -2338,11 +2316,11 @@
           <c:showBubbleSize val="0"/>
         </c:dLbls>
         <c:smooth val="0"/>
-        <c:axId val="119868128"/>
-        <c:axId val="119868688"/>
+        <c:axId val="256290496"/>
+        <c:axId val="256287696"/>
       </c:lineChart>
       <c:dateAx>
-        <c:axId val="119868128"/>
+        <c:axId val="256290496"/>
         <c:scaling>
           <c:orientation val="minMax"/>
         </c:scaling>
@@ -2385,14 +2363,14 @@
             <a:endParaRPr lang="zh-CN"/>
           </a:p>
         </c:txPr>
-        <c:crossAx val="119868688"/>
+        <c:crossAx val="256287696"/>
         <c:crosses val="autoZero"/>
         <c:auto val="1"/>
         <c:lblOffset val="100"/>
         <c:baseTimeUnit val="months"/>
       </c:dateAx>
       <c:valAx>
-        <c:axId val="119868688"/>
+        <c:axId val="256287696"/>
         <c:scaling>
           <c:orientation val="minMax"/>
         </c:scaling>
@@ -2443,7 +2421,7 @@
             <a:endParaRPr lang="zh-CN"/>
           </a:p>
         </c:txPr>
-        <c:crossAx val="119868128"/>
+        <c:crossAx val="256290496"/>
         <c:crosses val="autoZero"/>
         <c:crossBetween val="between"/>
       </c:valAx>
@@ -2457,7 +2435,6 @@
     </c:plotArea>
     <c:legend>
       <c:legendPos val="b"/>
-      <c:layout/>
       <c:overlay val="0"/>
       <c:spPr>
         <a:noFill/>
@@ -2577,7 +2554,6 @@
           </a:p>
         </c:rich>
       </c:tx>
-      <c:layout/>
       <c:overlay val="0"/>
       <c:spPr>
         <a:noFill/>
@@ -2816,18 +2792,18 @@
             <c:numRef>
               <c:f>图标副本!$C$2:$C$12</c:f>
               <c:numCache>
-                <c:formatCode>"¥"#,##0.00_);[Red]\("¥"#,##0.00\)</c:formatCode>
+                <c:formatCode>General</c:formatCode>
                 <c:ptCount val="11"/>
-                <c:pt idx="5">
+                <c:pt idx="5" formatCode="&quot;¥&quot;#,##0.00_);[Red]\(&quot;¥&quot;#,##0.00\)">
                   <c:v>199858.46999999997</c:v>
                 </c:pt>
-                <c:pt idx="6">
+                <c:pt idx="6" formatCode="&quot;¥&quot;#,##0.00_);[Red]\(&quot;¥&quot;#,##0.00\)">
                   <c:v>0.6020000000000002</c:v>
                 </c:pt>
-                <c:pt idx="7">
+                <c:pt idx="7" formatCode="&quot;¥&quot;#,##0.00_);[Red]\(&quot;¥&quot;#,##0.00\)">
                   <c:v>0</c:v>
                 </c:pt>
-                <c:pt idx="8">
+                <c:pt idx="8" formatCode="&quot;¥&quot;#,##0.00_);[Red]\(&quot;¥&quot;#,##0.00\)">
                   <c:v>0</c:v>
                 </c:pt>
               </c:numCache>
@@ -2905,24 +2881,24 @@
             <c:numRef>
               <c:f>图标副本!$D$2:$D$12</c:f>
               <c:numCache>
-                <c:formatCode>"¥"#,##0.00_);[Red]\("¥"#,##0.00\)</c:formatCode>
+                <c:formatCode>General</c:formatCode>
                 <c:ptCount val="11"/>
-                <c:pt idx="0">
+                <c:pt idx="0" formatCode="&quot;¥&quot;#,##0.00_);[Red]\(&quot;¥&quot;#,##0.00\)">
                   <c:v>0</c:v>
                 </c:pt>
-                <c:pt idx="3">
+                <c:pt idx="3" formatCode="&quot;¥&quot;#,##0.00_);[Red]\(&quot;¥&quot;#,##0.00\)">
                   <c:v>898650</c:v>
                 </c:pt>
-                <c:pt idx="4">
+                <c:pt idx="4" formatCode="&quot;¥&quot;#,##0.00_);[Red]\(&quot;¥&quot;#,##0.00\)">
                   <c:v>5998879.8819999993</c:v>
                 </c:pt>
-                <c:pt idx="5">
+                <c:pt idx="5" formatCode="&quot;¥&quot;#,##0.00_);[Red]\(&quot;¥&quot;#,##0.00\)">
                   <c:v>1711049.676</c:v>
                 </c:pt>
-                <c:pt idx="6">
+                <c:pt idx="6" formatCode="&quot;¥&quot;#,##0.00_);[Red]\(&quot;¥&quot;#,##0.00\)">
                   <c:v>2.6179999999999999</c:v>
                 </c:pt>
-                <c:pt idx="7">
+                <c:pt idx="7" formatCode="&quot;¥&quot;#,##0.00_);[Red]\(&quot;¥&quot;#,##0.00\)">
                   <c:v>0</c:v>
                 </c:pt>
               </c:numCache>
@@ -3696,12 +3672,12 @@
         </c:dLbls>
         <c:gapWidth val="150"/>
         <c:shape val="box"/>
-        <c:axId val="207636048"/>
-        <c:axId val="207636608"/>
+        <c:axId val="178984384"/>
+        <c:axId val="178984944"/>
         <c:axId val="0"/>
       </c:bar3DChart>
       <c:dateAx>
-        <c:axId val="207636048"/>
+        <c:axId val="178984384"/>
         <c:scaling>
           <c:orientation val="minMax"/>
         </c:scaling>
@@ -3738,14 +3714,14 @@
             <a:endParaRPr lang="zh-CN"/>
           </a:p>
         </c:txPr>
-        <c:crossAx val="207636608"/>
+        <c:crossAx val="178984944"/>
         <c:crosses val="autoZero"/>
         <c:auto val="1"/>
         <c:lblOffset val="100"/>
         <c:baseTimeUnit val="months"/>
       </c:dateAx>
       <c:valAx>
-        <c:axId val="207636608"/>
+        <c:axId val="178984944"/>
         <c:scaling>
           <c:orientation val="minMax"/>
         </c:scaling>
@@ -3796,7 +3772,7 @@
             <a:endParaRPr lang="zh-CN"/>
           </a:p>
         </c:txPr>
-        <c:crossAx val="207636048"/>
+        <c:crossAx val="178984384"/>
         <c:crosses val="autoZero"/>
         <c:crossBetween val="between"/>
       </c:valAx>
@@ -3822,7 +3798,6 @@
         <c:idx val="9"/>
         <c:delete val="1"/>
       </c:legendEntry>
-      <c:layout/>
       <c:overlay val="0"/>
       <c:spPr>
         <a:noFill/>
@@ -3920,7 +3895,6 @@
           </a:p>
         </c:rich>
       </c:tx>
-      <c:layout/>
       <c:overlay val="0"/>
       <c:spPr>
         <a:noFill/>
@@ -4356,27 +4330,21 @@
               <c:idx val="0"/>
               <c:delete val="1"/>
               <c:extLst>
-                <c:ext xmlns:c15="http://schemas.microsoft.com/office/drawing/2012/chart" uri="{CE6537A1-D6FC-4f65-9D91-7224C49458BB}">
-                  <c15:layout/>
-                </c:ext>
+                <c:ext xmlns:c15="http://schemas.microsoft.com/office/drawing/2012/chart" uri="{CE6537A1-D6FC-4f65-9D91-7224C49458BB}"/>
               </c:extLst>
             </c:dLbl>
             <c:dLbl>
               <c:idx val="1"/>
               <c:delete val="1"/>
               <c:extLst>
-                <c:ext xmlns:c15="http://schemas.microsoft.com/office/drawing/2012/chart" uri="{CE6537A1-D6FC-4f65-9D91-7224C49458BB}">
-                  <c15:layout/>
-                </c:ext>
+                <c:ext xmlns:c15="http://schemas.microsoft.com/office/drawing/2012/chart" uri="{CE6537A1-D6FC-4f65-9D91-7224C49458BB}"/>
               </c:extLst>
             </c:dLbl>
             <c:dLbl>
               <c:idx val="2"/>
               <c:delete val="1"/>
               <c:extLst>
-                <c:ext xmlns:c15="http://schemas.microsoft.com/office/drawing/2012/chart" uri="{CE6537A1-D6FC-4f65-9D91-7224C49458BB}">
-                  <c15:layout/>
-                </c:ext>
+                <c:ext xmlns:c15="http://schemas.microsoft.com/office/drawing/2012/chart" uri="{CE6537A1-D6FC-4f65-9D91-7224C49458BB}"/>
               </c:extLst>
             </c:dLbl>
             <c:dLbl>
@@ -4421,18 +4389,14 @@
               <c:showPercent val="1"/>
               <c:showBubbleSize val="0"/>
               <c:extLst>
-                <c:ext xmlns:c15="http://schemas.microsoft.com/office/drawing/2012/chart" uri="{CE6537A1-D6FC-4f65-9D91-7224C49458BB}">
-                  <c15:layout/>
-                </c:ext>
+                <c:ext xmlns:c15="http://schemas.microsoft.com/office/drawing/2012/chart" uri="{CE6537A1-D6FC-4f65-9D91-7224C49458BB}"/>
               </c:extLst>
             </c:dLbl>
             <c:dLbl>
               <c:idx val="4"/>
               <c:delete val="1"/>
               <c:extLst>
-                <c:ext xmlns:c15="http://schemas.microsoft.com/office/drawing/2012/chart" uri="{CE6537A1-D6FC-4f65-9D91-7224C49458BB}">
-                  <c15:layout/>
-                </c:ext>
+                <c:ext xmlns:c15="http://schemas.microsoft.com/office/drawing/2012/chart" uri="{CE6537A1-D6FC-4f65-9D91-7224C49458BB}"/>
               </c:extLst>
             </c:dLbl>
             <c:dLbl>
@@ -4477,9 +4441,7 @@
               <c:showPercent val="1"/>
               <c:showBubbleSize val="0"/>
               <c:extLst>
-                <c:ext xmlns:c15="http://schemas.microsoft.com/office/drawing/2012/chart" uri="{CE6537A1-D6FC-4f65-9D91-7224C49458BB}">
-                  <c15:layout/>
-                </c:ext>
+                <c:ext xmlns:c15="http://schemas.microsoft.com/office/drawing/2012/chart" uri="{CE6537A1-D6FC-4f65-9D91-7224C49458BB}"/>
               </c:extLst>
             </c:dLbl>
             <c:dLbl>
@@ -4526,18 +4488,14 @@
               <c:showPercent val="1"/>
               <c:showBubbleSize val="0"/>
               <c:extLst>
-                <c:ext xmlns:c15="http://schemas.microsoft.com/office/drawing/2012/chart" uri="{CE6537A1-D6FC-4f65-9D91-7224C49458BB}">
-                  <c15:layout/>
-                </c:ext>
+                <c:ext xmlns:c15="http://schemas.microsoft.com/office/drawing/2012/chart" uri="{CE6537A1-D6FC-4f65-9D91-7224C49458BB}"/>
               </c:extLst>
             </c:dLbl>
             <c:dLbl>
               <c:idx val="7"/>
               <c:delete val="1"/>
               <c:extLst>
-                <c:ext xmlns:c15="http://schemas.microsoft.com/office/drawing/2012/chart" uri="{CE6537A1-D6FC-4f65-9D91-7224C49458BB}">
-                  <c15:layout/>
-                </c:ext>
+                <c:ext xmlns:c15="http://schemas.microsoft.com/office/drawing/2012/chart" uri="{CE6537A1-D6FC-4f65-9D91-7224C49458BB}"/>
               </c:extLst>
             </c:dLbl>
             <c:dLbl>
@@ -4584,9 +4542,7 @@
               <c:showPercent val="1"/>
               <c:showBubbleSize val="0"/>
               <c:extLst>
-                <c:ext xmlns:c15="http://schemas.microsoft.com/office/drawing/2012/chart" uri="{CE6537A1-D6FC-4f65-9D91-7224C49458BB}">
-                  <c15:layout/>
-                </c:ext>
+                <c:ext xmlns:c15="http://schemas.microsoft.com/office/drawing/2012/chart" uri="{CE6537A1-D6FC-4f65-9D91-7224C49458BB}"/>
               </c:extLst>
             </c:dLbl>
             <c:dLbl>
@@ -4687,9 +4643,7 @@
               <c:showPercent val="1"/>
               <c:showBubbleSize val="0"/>
               <c:extLst>
-                <c:ext xmlns:c15="http://schemas.microsoft.com/office/drawing/2012/chart" uri="{CE6537A1-D6FC-4f65-9D91-7224C49458BB}">
-                  <c15:layout/>
-                </c:ext>
+                <c:ext xmlns:c15="http://schemas.microsoft.com/office/drawing/2012/chart" uri="{CE6537A1-D6FC-4f65-9D91-7224C49458BB}"/>
               </c:extLst>
             </c:dLbl>
             <c:dLbl>
@@ -4736,9 +4690,7 @@
               <c:showPercent val="1"/>
               <c:showBubbleSize val="0"/>
               <c:extLst>
-                <c:ext xmlns:c15="http://schemas.microsoft.com/office/drawing/2012/chart" uri="{CE6537A1-D6FC-4f65-9D91-7224C49458BB}">
-                  <c15:layout/>
-                </c:ext>
+                <c:ext xmlns:c15="http://schemas.microsoft.com/office/drawing/2012/chart" uri="{CE6537A1-D6FC-4f65-9D91-7224C49458BB}"/>
               </c:extLst>
             </c:dLbl>
             <c:dLbl>
@@ -4786,18 +4738,14 @@
               <c:showPercent val="1"/>
               <c:showBubbleSize val="0"/>
               <c:extLst>
-                <c:ext xmlns:c15="http://schemas.microsoft.com/office/drawing/2012/chart" uri="{CE6537A1-D6FC-4f65-9D91-7224C49458BB}">
-                  <c15:layout/>
-                </c:ext>
+                <c:ext xmlns:c15="http://schemas.microsoft.com/office/drawing/2012/chart" uri="{CE6537A1-D6FC-4f65-9D91-7224C49458BB}"/>
               </c:extLst>
             </c:dLbl>
             <c:dLbl>
               <c:idx val="13"/>
               <c:delete val="1"/>
               <c:extLst>
-                <c:ext xmlns:c15="http://schemas.microsoft.com/office/drawing/2012/chart" uri="{CE6537A1-D6FC-4f65-9D91-7224C49458BB}">
-                  <c15:layout/>
-                </c:ext>
+                <c:ext xmlns:c15="http://schemas.microsoft.com/office/drawing/2012/chart" uri="{CE6537A1-D6FC-4f65-9D91-7224C49458BB}"/>
               </c:extLst>
             </c:dLbl>
             <c:dLbl>
@@ -4845,9 +4793,7 @@
               <c:showPercent val="1"/>
               <c:showBubbleSize val="0"/>
               <c:extLst>
-                <c:ext xmlns:c15="http://schemas.microsoft.com/office/drawing/2012/chart" uri="{CE6537A1-D6FC-4f65-9D91-7224C49458BB}">
-                  <c15:layout/>
-                </c:ext>
+                <c:ext xmlns:c15="http://schemas.microsoft.com/office/drawing/2012/chart" uri="{CE6537A1-D6FC-4f65-9D91-7224C49458BB}"/>
               </c:extLst>
             </c:dLbl>
             <c:dLbl>
@@ -4895,9 +4841,7 @@
               <c:showPercent val="1"/>
               <c:showBubbleSize val="0"/>
               <c:extLst>
-                <c:ext xmlns:c15="http://schemas.microsoft.com/office/drawing/2012/chart" uri="{CE6537A1-D6FC-4f65-9D91-7224C49458BB}">
-                  <c15:layout/>
-                </c:ext>
+                <c:ext xmlns:c15="http://schemas.microsoft.com/office/drawing/2012/chart" uri="{CE6537A1-D6FC-4f65-9D91-7224C49458BB}"/>
               </c:extLst>
             </c:dLbl>
             <c:dLbl>
@@ -4945,9 +4889,7 @@
               <c:showPercent val="1"/>
               <c:showBubbleSize val="0"/>
               <c:extLst>
-                <c:ext xmlns:c15="http://schemas.microsoft.com/office/drawing/2012/chart" uri="{CE6537A1-D6FC-4f65-9D91-7224C49458BB}">
-                  <c15:layout/>
-                </c:ext>
+                <c:ext xmlns:c15="http://schemas.microsoft.com/office/drawing/2012/chart" uri="{CE6537A1-D6FC-4f65-9D91-7224C49458BB}"/>
               </c:extLst>
             </c:dLbl>
             <c:dLbl>
@@ -4995,9 +4937,7 @@
               <c:showPercent val="1"/>
               <c:showBubbleSize val="0"/>
               <c:extLst>
-                <c:ext xmlns:c15="http://schemas.microsoft.com/office/drawing/2012/chart" uri="{CE6537A1-D6FC-4f65-9D91-7224C49458BB}">
-                  <c15:layout/>
-                </c:ext>
+                <c:ext xmlns:c15="http://schemas.microsoft.com/office/drawing/2012/chart" uri="{CE6537A1-D6FC-4f65-9D91-7224C49458BB}"/>
               </c:extLst>
             </c:dLbl>
             <c:dLbl>
@@ -5044,9 +4984,7 @@
               <c:showPercent val="1"/>
               <c:showBubbleSize val="0"/>
               <c:extLst>
-                <c:ext xmlns:c15="http://schemas.microsoft.com/office/drawing/2012/chart" uri="{CE6537A1-D6FC-4f65-9D91-7224C49458BB}">
-                  <c15:layout/>
-                </c:ext>
+                <c:ext xmlns:c15="http://schemas.microsoft.com/office/drawing/2012/chart" uri="{CE6537A1-D6FC-4f65-9D91-7224C49458BB}"/>
               </c:extLst>
             </c:dLbl>
             <c:spPr>
@@ -7553,7 +7491,7 @@
           <a:p>
             <a:fld id="{31DCA794-65DB-4F09-A8F9-69FB7903F831}" type="datetimeFigureOut">
               <a:rPr lang="zh-CN" altLang="en-US" smtClean="0"/>
-              <a:t>2016/12/15</a:t>
+              <a:t>2016/12/28</a:t>
             </a:fld>
             <a:endParaRPr lang="zh-CN" altLang="en-US"/>
           </a:p>
@@ -8036,7 +7974,7 @@
           <a:p>
             <a:fld id="{A3419CC7-C779-4578-9129-8EA2F249EBF8}" type="datetimeFigureOut">
               <a:rPr lang="zh-CN" altLang="en-US" smtClean="0"/>
-              <a:t>2016/12/15</a:t>
+              <a:t>2016/12/28</a:t>
             </a:fld>
             <a:endParaRPr lang="zh-CN" altLang="en-US"/>
           </a:p>
@@ -8206,7 +8144,7 @@
           <a:p>
             <a:fld id="{A3419CC7-C779-4578-9129-8EA2F249EBF8}" type="datetimeFigureOut">
               <a:rPr lang="zh-CN" altLang="en-US" smtClean="0"/>
-              <a:t>2016/12/15</a:t>
+              <a:t>2016/12/28</a:t>
             </a:fld>
             <a:endParaRPr lang="zh-CN" altLang="en-US"/>
           </a:p>
@@ -8386,7 +8324,7 @@
           <a:p>
             <a:fld id="{A3419CC7-C779-4578-9129-8EA2F249EBF8}" type="datetimeFigureOut">
               <a:rPr lang="zh-CN" altLang="en-US" smtClean="0"/>
-              <a:t>2016/12/15</a:t>
+              <a:t>2016/12/28</a:t>
             </a:fld>
             <a:endParaRPr lang="zh-CN" altLang="en-US"/>
           </a:p>
@@ -8556,7 +8494,7 @@
           <a:p>
             <a:fld id="{A3419CC7-C779-4578-9129-8EA2F249EBF8}" type="datetimeFigureOut">
               <a:rPr lang="zh-CN" altLang="en-US" smtClean="0"/>
-              <a:t>2016/12/15</a:t>
+              <a:t>2016/12/28</a:t>
             </a:fld>
             <a:endParaRPr lang="zh-CN" altLang="en-US"/>
           </a:p>
@@ -8802,7 +8740,7 @@
           <a:p>
             <a:fld id="{A3419CC7-C779-4578-9129-8EA2F249EBF8}" type="datetimeFigureOut">
               <a:rPr lang="zh-CN" altLang="en-US" smtClean="0"/>
-              <a:t>2016/12/15</a:t>
+              <a:t>2016/12/28</a:t>
             </a:fld>
             <a:endParaRPr lang="zh-CN" altLang="en-US"/>
           </a:p>
@@ -9034,7 +8972,7 @@
           <a:p>
             <a:fld id="{A3419CC7-C779-4578-9129-8EA2F249EBF8}" type="datetimeFigureOut">
               <a:rPr lang="zh-CN" altLang="en-US" smtClean="0"/>
-              <a:t>2016/12/15</a:t>
+              <a:t>2016/12/28</a:t>
             </a:fld>
             <a:endParaRPr lang="zh-CN" altLang="en-US"/>
           </a:p>
@@ -9401,7 +9339,7 @@
           <a:p>
             <a:fld id="{A3419CC7-C779-4578-9129-8EA2F249EBF8}" type="datetimeFigureOut">
               <a:rPr lang="zh-CN" altLang="en-US" smtClean="0"/>
-              <a:t>2016/12/15</a:t>
+              <a:t>2016/12/28</a:t>
             </a:fld>
             <a:endParaRPr lang="zh-CN" altLang="en-US"/>
           </a:p>
@@ -9519,7 +9457,7 @@
           <a:p>
             <a:fld id="{A3419CC7-C779-4578-9129-8EA2F249EBF8}" type="datetimeFigureOut">
               <a:rPr lang="zh-CN" altLang="en-US" smtClean="0"/>
-              <a:t>2016/12/15</a:t>
+              <a:t>2016/12/28</a:t>
             </a:fld>
             <a:endParaRPr lang="zh-CN" altLang="en-US"/>
           </a:p>
@@ -9614,7 +9552,7 @@
           <a:p>
             <a:fld id="{A3419CC7-C779-4578-9129-8EA2F249EBF8}" type="datetimeFigureOut">
               <a:rPr lang="zh-CN" altLang="en-US" smtClean="0"/>
-              <a:t>2016/12/15</a:t>
+              <a:t>2016/12/28</a:t>
             </a:fld>
             <a:endParaRPr lang="zh-CN" altLang="en-US"/>
           </a:p>
@@ -9891,7 +9829,7 @@
           <a:p>
             <a:fld id="{A3419CC7-C779-4578-9129-8EA2F249EBF8}" type="datetimeFigureOut">
               <a:rPr lang="zh-CN" altLang="en-US" smtClean="0"/>
-              <a:t>2016/12/15</a:t>
+              <a:t>2016/12/28</a:t>
             </a:fld>
             <a:endParaRPr lang="zh-CN" altLang="en-US"/>
           </a:p>
@@ -10144,7 +10082,7 @@
           <a:p>
             <a:fld id="{A3419CC7-C779-4578-9129-8EA2F249EBF8}" type="datetimeFigureOut">
               <a:rPr lang="zh-CN" altLang="en-US" smtClean="0"/>
-              <a:t>2016/12/15</a:t>
+              <a:t>2016/12/28</a:t>
             </a:fld>
             <a:endParaRPr lang="zh-CN" altLang="en-US"/>
           </a:p>
@@ -10357,7 +10295,7 @@
           <a:p>
             <a:fld id="{A3419CC7-C779-4578-9129-8EA2F249EBF8}" type="datetimeFigureOut">
               <a:rPr lang="zh-CN" altLang="en-US" smtClean="0"/>
-              <a:t>2016/12/15</a:t>
+              <a:t>2016/12/28</a:t>
             </a:fld>
             <a:endParaRPr lang="zh-CN" altLang="en-US"/>
           </a:p>
@@ -10799,8 +10737,8 @@
         </p:nvSpPr>
         <p:spPr>
           <a:xfrm>
-            <a:off x="298762" y="104824"/>
-            <a:ext cx="6744832" cy="1569660"/>
+            <a:off x="2869946" y="1489870"/>
+            <a:ext cx="10700932" cy="7478970"/>
           </a:xfrm>
           <a:prstGeom prst="rect">
             <a:avLst/>
@@ -10814,25 +10752,29 @@
           <a:lstStyle/>
           <a:p>
             <a:r>
-              <a:rPr lang="zh-CN" altLang="en-US" sz="2400" b="1" dirty="0" smtClean="0"/>
+              <a:rPr lang="zh-CN" altLang="en-US" sz="9600" b="1" dirty="0" smtClean="0"/>
               <a:t>品牌广告</a:t>
             </a:r>
-            <a:endParaRPr lang="en-US" altLang="zh-CN" sz="2400" b="1" dirty="0" smtClean="0"/>
-          </a:p>
-          <a:p>
-            <a:endParaRPr lang="en-US" altLang="zh-CN" dirty="0"/>
-          </a:p>
-          <a:p>
-            <a:endParaRPr lang="en-US" altLang="zh-CN" dirty="0"/>
-          </a:p>
-          <a:p>
-            <a:r>
-              <a:rPr lang="en-US" altLang="zh-CN" dirty="0" smtClean="0"/>
+            <a:endParaRPr lang="en-US" altLang="zh-CN" sz="9600" b="1" dirty="0" smtClean="0"/>
+          </a:p>
+          <a:p>
+            <a:r>
+              <a:rPr lang="en-US" altLang="zh-CN" sz="9600" dirty="0" smtClean="0"/>
+              <a:t>TEST</a:t>
+            </a:r>
+            <a:endParaRPr lang="en-US" altLang="zh-CN" sz="9600" dirty="0"/>
+          </a:p>
+          <a:p>
+            <a:endParaRPr lang="en-US" altLang="zh-CN" sz="9600" dirty="0"/>
+          </a:p>
+          <a:p>
+            <a:r>
+              <a:rPr lang="en-US" altLang="zh-CN" sz="9600" dirty="0" smtClean="0"/>
               <a:t>	</a:t>
             </a:r>
           </a:p>
           <a:p>
-            <a:endParaRPr lang="zh-CN" altLang="en-US" dirty="0"/>
+            <a:endParaRPr lang="zh-CN" altLang="en-US" sz="9600" dirty="0"/>
           </a:p>
         </p:txBody>
       </p:sp>
@@ -13000,7 +12942,7 @@
           <a:graphicData uri="http://schemas.openxmlformats.org/presentationml/2006/ole">
             <mc:AlternateContent xmlns:mc="http://schemas.openxmlformats.org/markup-compatibility/2006">
               <mc:Choice xmlns:v="urn:schemas-microsoft-com:vml" Requires="v">
-                <p:oleObj spid="_x0000_s1038" name="工作表" r:id="rId4" imgW="6769100" imgH="1066800" progId="Excel.Sheet.12">
+                <p:oleObj spid="_x0000_s1040" name="工作表" r:id="rId4" imgW="6769100" imgH="1066800" progId="Excel.Sheet.12">
                   <p:embed/>
                 </p:oleObj>
               </mc:Choice>
@@ -13112,7 +13054,7 @@
           <a:graphicData uri="http://schemas.openxmlformats.org/presentationml/2006/ole">
             <mc:AlternateContent xmlns:mc="http://schemas.openxmlformats.org/markup-compatibility/2006">
               <mc:Choice xmlns:v="urn:schemas-microsoft-com:vml" Requires="v">
-                <p:oleObj spid="_x0000_s1039" name="工作表" r:id="rId7" imgW="9677400" imgH="3759200" progId="Excel.Sheet.12">
+                <p:oleObj spid="_x0000_s1041" name="工作表" r:id="rId7" imgW="9677400" imgH="3759200" progId="Excel.Sheet.12">
                   <p:embed/>
                 </p:oleObj>
               </mc:Choice>
